--- a/proto voor gesprek.pptx
+++ b/proto voor gesprek.pptx
@@ -11,6 +11,7 @@
     <p:sldId id="260" r:id="rId5"/>
     <p:sldId id="259" r:id="rId6"/>
     <p:sldId id="261" r:id="rId7"/>
+    <p:sldId id="262" r:id="rId8"/>
   </p:sldIdLst>
   <p:sldSz cx="12192000" cy="6858000"/>
   <p:notesSz cx="6858000" cy="9144000"/>
@@ -109,6 +110,11 @@
       </a:defRPr>
     </a:lvl9pPr>
   </p:defaultTextStyle>
+  <p:extLst>
+    <p:ext uri="{EFAFB233-063F-42B5-8137-9DF3F51BA10A}">
+      <p15:sldGuideLst xmlns:p15="http://schemas.microsoft.com/office/powerpoint/2012/main"/>
+    </p:ext>
+  </p:extLst>
 </p:presentation>
 </file>
 
@@ -261,7 +267,7 @@
           <a:p>
             <a:fld id="{922327B9-A7A5-44C8-89FD-99958A566637}" type="datetimeFigureOut">
               <a:rPr lang="en-GB" smtClean="0"/>
-              <a:t>21/03/2018</a:t>
+              <a:t>22/03/2018</a:t>
             </a:fld>
             <a:endParaRPr lang="en-GB"/>
           </a:p>
@@ -461,7 +467,7 @@
           <a:p>
             <a:fld id="{922327B9-A7A5-44C8-89FD-99958A566637}" type="datetimeFigureOut">
               <a:rPr lang="en-GB" smtClean="0"/>
-              <a:t>21/03/2018</a:t>
+              <a:t>22/03/2018</a:t>
             </a:fld>
             <a:endParaRPr lang="en-GB"/>
           </a:p>
@@ -671,7 +677,7 @@
           <a:p>
             <a:fld id="{922327B9-A7A5-44C8-89FD-99958A566637}" type="datetimeFigureOut">
               <a:rPr lang="en-GB" smtClean="0"/>
-              <a:t>21/03/2018</a:t>
+              <a:t>22/03/2018</a:t>
             </a:fld>
             <a:endParaRPr lang="en-GB"/>
           </a:p>
@@ -871,7 +877,7 @@
           <a:p>
             <a:fld id="{922327B9-A7A5-44C8-89FD-99958A566637}" type="datetimeFigureOut">
               <a:rPr lang="en-GB" smtClean="0"/>
-              <a:t>21/03/2018</a:t>
+              <a:t>22/03/2018</a:t>
             </a:fld>
             <a:endParaRPr lang="en-GB"/>
           </a:p>
@@ -1147,7 +1153,7 @@
           <a:p>
             <a:fld id="{922327B9-A7A5-44C8-89FD-99958A566637}" type="datetimeFigureOut">
               <a:rPr lang="en-GB" smtClean="0"/>
-              <a:t>21/03/2018</a:t>
+              <a:t>22/03/2018</a:t>
             </a:fld>
             <a:endParaRPr lang="en-GB"/>
           </a:p>
@@ -1415,7 +1421,7 @@
           <a:p>
             <a:fld id="{922327B9-A7A5-44C8-89FD-99958A566637}" type="datetimeFigureOut">
               <a:rPr lang="en-GB" smtClean="0"/>
-              <a:t>21/03/2018</a:t>
+              <a:t>22/03/2018</a:t>
             </a:fld>
             <a:endParaRPr lang="en-GB"/>
           </a:p>
@@ -1830,7 +1836,7 @@
           <a:p>
             <a:fld id="{922327B9-A7A5-44C8-89FD-99958A566637}" type="datetimeFigureOut">
               <a:rPr lang="en-GB" smtClean="0"/>
-              <a:t>21/03/2018</a:t>
+              <a:t>22/03/2018</a:t>
             </a:fld>
             <a:endParaRPr lang="en-GB"/>
           </a:p>
@@ -1972,7 +1978,7 @@
           <a:p>
             <a:fld id="{922327B9-A7A5-44C8-89FD-99958A566637}" type="datetimeFigureOut">
               <a:rPr lang="en-GB" smtClean="0"/>
-              <a:t>21/03/2018</a:t>
+              <a:t>22/03/2018</a:t>
             </a:fld>
             <a:endParaRPr lang="en-GB"/>
           </a:p>
@@ -2085,7 +2091,7 @@
           <a:p>
             <a:fld id="{922327B9-A7A5-44C8-89FD-99958A566637}" type="datetimeFigureOut">
               <a:rPr lang="en-GB" smtClean="0"/>
-              <a:t>21/03/2018</a:t>
+              <a:t>22/03/2018</a:t>
             </a:fld>
             <a:endParaRPr lang="en-GB"/>
           </a:p>
@@ -2398,7 +2404,7 @@
           <a:p>
             <a:fld id="{922327B9-A7A5-44C8-89FD-99958A566637}" type="datetimeFigureOut">
               <a:rPr lang="en-GB" smtClean="0"/>
-              <a:t>21/03/2018</a:t>
+              <a:t>22/03/2018</a:t>
             </a:fld>
             <a:endParaRPr lang="en-GB"/>
           </a:p>
@@ -2687,7 +2693,7 @@
           <a:p>
             <a:fld id="{922327B9-A7A5-44C8-89FD-99958A566637}" type="datetimeFigureOut">
               <a:rPr lang="en-GB" smtClean="0"/>
-              <a:t>21/03/2018</a:t>
+              <a:t>22/03/2018</a:t>
             </a:fld>
             <a:endParaRPr lang="en-GB"/>
           </a:p>
@@ -2930,7 +2936,7 @@
           <a:p>
             <a:fld id="{922327B9-A7A5-44C8-89FD-99958A566637}" type="datetimeFigureOut">
               <a:rPr lang="en-GB" smtClean="0"/>
-              <a:t>21/03/2018</a:t>
+              <a:t>22/03/2018</a:t>
             </a:fld>
             <a:endParaRPr lang="en-GB"/>
           </a:p>
@@ -3712,11 +3718,15 @@
           <a:p>
             <a:pPr algn="ctr"/>
             <a:r>
-              <a:rPr lang="en-GB" dirty="0"/>
+              <a:rPr lang="en-GB" dirty="0">
+                <a:hlinkClick r:id="rId7" action="ppaction://hlinksldjump"/>
+              </a:rPr>
               <a:t>Over </a:t>
             </a:r>
             <a:r>
-              <a:rPr lang="en-GB" dirty="0" err="1"/>
+              <a:rPr lang="en-GB" dirty="0" err="1">
+                <a:hlinkClick r:id="rId7" action="ppaction://hlinksldjump"/>
+              </a:rPr>
               <a:t>ons</a:t>
             </a:r>
             <a:endParaRPr lang="en-GB" dirty="0"/>
@@ -5200,6 +5210,231 @@
     <p:extLst>
       <p:ext uri="{BB962C8B-B14F-4D97-AF65-F5344CB8AC3E}">
         <p14:creationId xmlns:p14="http://schemas.microsoft.com/office/powerpoint/2010/main" val="3294414952"/>
+      </p:ext>
+    </p:extLst>
+  </p:cSld>
+  <p:clrMapOvr>
+    <a:masterClrMapping/>
+  </p:clrMapOvr>
+</p:sld>
+</file>
+
+<file path=ppt/slides/slide7.xml><?xml version="1.0" encoding="utf-8"?>
+<p:sld xmlns:a="http://schemas.openxmlformats.org/drawingml/2006/main" xmlns:r="http://schemas.openxmlformats.org/officeDocument/2006/relationships" xmlns:p="http://schemas.openxmlformats.org/presentationml/2006/main">
+  <p:cSld>
+    <p:spTree>
+      <p:nvGrpSpPr>
+        <p:cNvPr id="1" name=""/>
+        <p:cNvGrpSpPr/>
+        <p:nvPr/>
+      </p:nvGrpSpPr>
+      <p:grpSpPr>
+        <a:xfrm>
+          <a:off x="0" y="0"/>
+          <a:ext cx="0" cy="0"/>
+          <a:chOff x="0" y="0"/>
+          <a:chExt cx="0" cy="0"/>
+        </a:xfrm>
+      </p:grpSpPr>
+      <p:pic>
+        <p:nvPicPr>
+          <p:cNvPr id="2" name="Afbeelding 1">
+            <a:extLst>
+              <a:ext uri="{FF2B5EF4-FFF2-40B4-BE49-F238E27FC236}">
+                <a16:creationId xmlns:a16="http://schemas.microsoft.com/office/drawing/2014/main" id="{A9CCC50A-3187-444E-9557-EFD9D93961C2}"/>
+              </a:ext>
+            </a:extLst>
+          </p:cNvPr>
+          <p:cNvPicPr>
+            <a:picLocks noChangeAspect="1"/>
+          </p:cNvPicPr>
+          <p:nvPr/>
+        </p:nvPicPr>
+        <p:blipFill>
+          <a:blip r:embed="rId2">
+            <a:extLst>
+              <a:ext uri="{BEBA8EAE-BF5A-486C-A8C5-ECC9F3942E4B}">
+                <a14:imgProps xmlns:a14="http://schemas.microsoft.com/office/drawing/2010/main">
+                  <a14:imgLayer r:embed="rId3">
+                    <a14:imgEffect>
+                      <a14:backgroundRemoval t="10000" b="90000" l="10000" r="90000">
+                        <a14:foregroundMark x1="39667" y1="14333" x2="32667" y2="14667"/>
+                        <a14:foregroundMark x1="32667" y1="14667" x2="30333" y2="20667"/>
+                      </a14:backgroundRemoval>
+                    </a14:imgEffect>
+                  </a14:imgLayer>
+                </a14:imgProps>
+              </a:ext>
+              <a:ext uri="{28A0092B-C50C-407E-A947-70E740481C1C}">
+                <a14:useLocalDpi xmlns:a14="http://schemas.microsoft.com/office/drawing/2010/main" val="0"/>
+              </a:ext>
+            </a:extLst>
+          </a:blip>
+          <a:stretch>
+            <a:fillRect/>
+          </a:stretch>
+        </p:blipFill>
+        <p:spPr>
+          <a:xfrm>
+            <a:off x="2467252" y="0"/>
+            <a:ext cx="6705046" cy="6858000"/>
+          </a:xfrm>
+          <a:prstGeom prst="rect">
+            <a:avLst/>
+          </a:prstGeom>
+        </p:spPr>
+      </p:pic>
+      <p:sp>
+        <p:nvSpPr>
+          <p:cNvPr id="3" name="Rechthoek 2">
+            <a:extLst>
+              <a:ext uri="{FF2B5EF4-FFF2-40B4-BE49-F238E27FC236}">
+                <a16:creationId xmlns:a16="http://schemas.microsoft.com/office/drawing/2014/main" id="{EBE97952-DA6A-466F-A1F3-ED155A987AFC}"/>
+              </a:ext>
+            </a:extLst>
+          </p:cNvPr>
+          <p:cNvSpPr/>
+          <p:nvPr/>
+        </p:nvSpPr>
+        <p:spPr>
+          <a:xfrm>
+            <a:off x="4664364" y="1320800"/>
+            <a:ext cx="2244436" cy="1348509"/>
+          </a:xfrm>
+          <a:prstGeom prst="rect">
+            <a:avLst/>
+          </a:prstGeom>
+        </p:spPr>
+        <p:style>
+          <a:lnRef idx="2">
+            <a:schemeClr val="accent1">
+              <a:shade val="50000"/>
+            </a:schemeClr>
+          </a:lnRef>
+          <a:fillRef idx="1">
+            <a:schemeClr val="accent1"/>
+          </a:fillRef>
+          <a:effectRef idx="0">
+            <a:schemeClr val="accent1"/>
+          </a:effectRef>
+          <a:fontRef idx="minor">
+            <a:schemeClr val="lt1"/>
+          </a:fontRef>
+        </p:style>
+        <p:txBody>
+          <a:bodyPr rtlCol="0" anchor="ctr"/>
+          <a:lstStyle/>
+          <a:p>
+            <a:pPr algn="ctr"/>
+            <a:r>
+              <a:rPr lang="nl-NL" dirty="0"/>
+              <a:t>Image biosscoop</a:t>
+            </a:r>
+            <a:endParaRPr lang="en-GB" dirty="0"/>
+          </a:p>
+        </p:txBody>
+      </p:sp>
+      <p:sp>
+        <p:nvSpPr>
+          <p:cNvPr id="4" name="Tekstvak 3">
+            <a:extLst>
+              <a:ext uri="{FF2B5EF4-FFF2-40B4-BE49-F238E27FC236}">
+                <a16:creationId xmlns:a16="http://schemas.microsoft.com/office/drawing/2014/main" id="{D49F9DA1-FB9D-4E7D-9A45-253485B7000E}"/>
+              </a:ext>
+            </a:extLst>
+          </p:cNvPr>
+          <p:cNvSpPr txBox="1"/>
+          <p:nvPr/>
+        </p:nvSpPr>
+        <p:spPr>
+          <a:xfrm>
+            <a:off x="4664364" y="2801923"/>
+            <a:ext cx="1660711" cy="369332"/>
+          </a:xfrm>
+          <a:prstGeom prst="rect">
+            <a:avLst/>
+          </a:prstGeom>
+          <a:noFill/>
+        </p:spPr>
+        <p:txBody>
+          <a:bodyPr wrap="none" rtlCol="0">
+            <a:spAutoFit/>
+          </a:bodyPr>
+          <a:lstStyle/>
+          <a:p>
+            <a:r>
+              <a:rPr lang="nl-NL" dirty="0"/>
+              <a:t>Informatie bios </a:t>
+            </a:r>
+            <a:endParaRPr lang="en-GB" dirty="0"/>
+          </a:p>
+        </p:txBody>
+      </p:sp>
+      <p:sp>
+        <p:nvSpPr>
+          <p:cNvPr id="5" name="Rechthoek 4">
+            <a:extLst>
+              <a:ext uri="{FF2B5EF4-FFF2-40B4-BE49-F238E27FC236}">
+                <a16:creationId xmlns:a16="http://schemas.microsoft.com/office/drawing/2014/main" id="{BE5681F9-9C8D-4790-80FA-4E17A987F053}"/>
+              </a:ext>
+            </a:extLst>
+          </p:cNvPr>
+          <p:cNvSpPr/>
+          <p:nvPr/>
+        </p:nvSpPr>
+        <p:spPr>
+          <a:xfrm>
+            <a:off x="4664364" y="4578988"/>
+            <a:ext cx="2315276" cy="958212"/>
+          </a:xfrm>
+          <a:prstGeom prst="rect">
+            <a:avLst/>
+          </a:prstGeom>
+        </p:spPr>
+        <p:style>
+          <a:lnRef idx="2">
+            <a:schemeClr val="accent1">
+              <a:shade val="50000"/>
+            </a:schemeClr>
+          </a:lnRef>
+          <a:fillRef idx="1">
+            <a:schemeClr val="accent1"/>
+          </a:fillRef>
+          <a:effectRef idx="0">
+            <a:schemeClr val="accent1"/>
+          </a:effectRef>
+          <a:fontRef idx="minor">
+            <a:schemeClr val="lt1"/>
+          </a:fontRef>
+        </p:style>
+        <p:txBody>
+          <a:bodyPr rtlCol="0" anchor="ctr"/>
+          <a:lstStyle/>
+          <a:p>
+            <a:pPr algn="ctr"/>
+            <a:r>
+              <a:rPr lang="nl-NL" dirty="0"/>
+              <a:t>Google </a:t>
+            </a:r>
+            <a:r>
+              <a:rPr lang="nl-NL" dirty="0" err="1"/>
+              <a:t>maps</a:t>
+            </a:r>
+            <a:r>
+              <a:rPr lang="nl-NL" dirty="0"/>
+              <a:t> locatie bios</a:t>
+            </a:r>
+          </a:p>
+          <a:p>
+            <a:pPr algn="ctr"/>
+            <a:endParaRPr lang="en-GB" dirty="0"/>
+          </a:p>
+        </p:txBody>
+      </p:sp>
+    </p:spTree>
+    <p:extLst>
+      <p:ext uri="{BB962C8B-B14F-4D97-AF65-F5344CB8AC3E}">
+        <p14:creationId xmlns:p14="http://schemas.microsoft.com/office/powerpoint/2010/main" val="375553006"/>
       </p:ext>
     </p:extLst>
   </p:cSld>
